--- a/PPT_Raspberry_Pi_Based_Image_Acquisition_System.pptx
+++ b/PPT_Raspberry_Pi_Based_Image_Acquisition_System.pptx
@@ -10,6 +10,7 @@
     <p:sldId id="259" r:id="rId4"/>
     <p:sldId id="260" r:id="rId5"/>
     <p:sldId id="261" r:id="rId6"/>
+    <p:sldId id="262" r:id="rId7"/>
   </p:sldIdLst>
   <p:sldSz cx="9144000" cy="6858000" type="screen4x3"/>
   <p:notesSz cx="6858000" cy="9144000"/>
@@ -4056,7 +4057,22 @@
             </a:pPr>
             <a:r>
               <a:rPr lang="en-US" sz="2800" dirty="0" smtClean="0"/>
-              <a:t>To capture image from Raspberry Pi camera using python package </a:t>
+              <a:t>To capture image from Raspberry Pi camera using python </a:t>
+            </a:r>
+            <a:r>
+              <a:rPr lang="en-US" sz="2800" dirty="0" smtClean="0"/>
+              <a:t>package.</a:t>
+            </a:r>
+          </a:p>
+          <a:p>
+            <a:pPr>
+              <a:lnSpc>
+                <a:spcPct val="150000"/>
+              </a:lnSpc>
+            </a:pPr>
+            <a:r>
+              <a:rPr lang="en-US" sz="2800" dirty="0" smtClean="0"/>
+              <a:t>Store captured image in EPICS record and stream it continuous or for number of images selected by user in Control System Studio(CS-Studio). </a:t>
             </a:r>
             <a:endParaRPr lang="en-US" sz="2800" dirty="0"/>
           </a:p>
@@ -4066,6 +4082,74 @@
     <p:extLst>
       <p:ext uri="{BB962C8B-B14F-4D97-AF65-F5344CB8AC3E}">
         <p14:creationId xmlns:p14="http://schemas.microsoft.com/office/powerpoint/2010/main" val="2368321580"/>
+      </p:ext>
+    </p:extLst>
+  </p:cSld>
+  <p:clrMapOvr>
+    <a:masterClrMapping/>
+  </p:clrMapOvr>
+</p:sld>
+</file>
+
+<file path=ppt/slides/slide6.xml><?xml version="1.0" encoding="utf-8"?>
+<p:sld xmlns:a="http://schemas.openxmlformats.org/drawingml/2006/main" xmlns:r="http://schemas.openxmlformats.org/officeDocument/2006/relationships" xmlns:p="http://schemas.openxmlformats.org/presentationml/2006/main">
+  <p:cSld>
+    <p:spTree>
+      <p:nvGrpSpPr>
+        <p:cNvPr id="1" name=""/>
+        <p:cNvGrpSpPr/>
+        <p:nvPr/>
+      </p:nvGrpSpPr>
+      <p:grpSpPr>
+        <a:xfrm>
+          <a:off x="0" y="0"/>
+          <a:ext cx="0" cy="0"/>
+          <a:chOff x="0" y="0"/>
+          <a:chExt cx="0" cy="0"/>
+        </a:xfrm>
+      </p:grpSpPr>
+      <p:sp>
+        <p:nvSpPr>
+          <p:cNvPr id="2" name="Title 1"/>
+          <p:cNvSpPr>
+            <a:spLocks noGrp="1"/>
+          </p:cNvSpPr>
+          <p:nvPr>
+            <p:ph type="title"/>
+          </p:nvPr>
+        </p:nvSpPr>
+        <p:spPr/>
+        <p:txBody>
+          <a:bodyPr/>
+          <a:lstStyle/>
+          <a:p>
+            <a:endParaRPr lang="en-US" dirty="0"/>
+          </a:p>
+        </p:txBody>
+      </p:sp>
+      <p:sp>
+        <p:nvSpPr>
+          <p:cNvPr id="3" name="Content Placeholder 2"/>
+          <p:cNvSpPr>
+            <a:spLocks noGrp="1"/>
+          </p:cNvSpPr>
+          <p:nvPr>
+            <p:ph idx="1"/>
+          </p:nvPr>
+        </p:nvSpPr>
+        <p:spPr/>
+        <p:txBody>
+          <a:bodyPr/>
+          <a:lstStyle/>
+          <a:p>
+            <a:endParaRPr lang="en-US"/>
+          </a:p>
+        </p:txBody>
+      </p:sp>
+    </p:spTree>
+    <p:extLst>
+      <p:ext uri="{BB962C8B-B14F-4D97-AF65-F5344CB8AC3E}">
+        <p14:creationId xmlns:p14="http://schemas.microsoft.com/office/powerpoint/2010/main" val="3075250885"/>
       </p:ext>
     </p:extLst>
   </p:cSld>

--- a/PPT_Raspberry_Pi_Based_Image_Acquisition_System.pptx
+++ b/PPT_Raspberry_Pi_Based_Image_Acquisition_System.pptx
@@ -10,6 +10,7 @@
     <p:sldId id="259" r:id="rId4"/>
     <p:sldId id="260" r:id="rId5"/>
     <p:sldId id="261" r:id="rId6"/>
+    <p:sldId id="262" r:id="rId7"/>
   </p:sldIdLst>
   <p:sldSz cx="9144000" cy="6858000" type="screen4x3"/>
   <p:notesSz cx="6858000" cy="9144000"/>
@@ -110,7 +111,7 @@
   </p:defaultTextStyle>
   <p:extLst>
     <p:ext uri="{EFAFB233-063F-42B5-8137-9DF3F51BA10A}">
-      <p15:sldGuideLst xmlns:p15="http://schemas.microsoft.com/office/powerpoint/2012/main">
+      <p15:sldGuideLst xmlns="" xmlns:p15="http://schemas.microsoft.com/office/powerpoint/2012/main">
         <p15:guide id="1" orient="horz" pos="2160">
           <p15:clr>
             <a:srgbClr val="A4A3A4"/>
@@ -308,6 +309,7 @@
           <a:p>
             <a:fld id="{56C23F12-F366-48EC-B3DB-005A711DF561}" type="datetimeFigureOut">
               <a:rPr lang="en-US" smtClean="0"/>
+              <a:pPr/>
               <a:t>4/21/2020</a:t>
             </a:fld>
             <a:endParaRPr lang="en-US"/>
@@ -350,6 +352,7 @@
           <a:p>
             <a:fld id="{279AAC18-6548-4BE2-BABC-0A9FF83C6CC4}" type="slidenum">
               <a:rPr lang="en-US" smtClean="0"/>
+              <a:pPr/>
               <a:t>‹#›</a:t>
             </a:fld>
             <a:endParaRPr lang="en-US"/>
@@ -473,6 +476,7 @@
           <a:p>
             <a:fld id="{56C23F12-F366-48EC-B3DB-005A711DF561}" type="datetimeFigureOut">
               <a:rPr lang="en-US" smtClean="0"/>
+              <a:pPr/>
               <a:t>4/21/2020</a:t>
             </a:fld>
             <a:endParaRPr lang="en-US"/>
@@ -515,6 +519,7 @@
           <a:p>
             <a:fld id="{279AAC18-6548-4BE2-BABC-0A9FF83C6CC4}" type="slidenum">
               <a:rPr lang="en-US" smtClean="0"/>
+              <a:pPr/>
               <a:t>‹#›</a:t>
             </a:fld>
             <a:endParaRPr lang="en-US"/>
@@ -648,6 +653,7 @@
           <a:p>
             <a:fld id="{56C23F12-F366-48EC-B3DB-005A711DF561}" type="datetimeFigureOut">
               <a:rPr lang="en-US" smtClean="0"/>
+              <a:pPr/>
               <a:t>4/21/2020</a:t>
             </a:fld>
             <a:endParaRPr lang="en-US"/>
@@ -690,6 +696,7 @@
           <a:p>
             <a:fld id="{279AAC18-6548-4BE2-BABC-0A9FF83C6CC4}" type="slidenum">
               <a:rPr lang="en-US" smtClean="0"/>
+              <a:pPr/>
               <a:t>‹#›</a:t>
             </a:fld>
             <a:endParaRPr lang="en-US"/>
@@ -813,6 +820,7 @@
           <a:p>
             <a:fld id="{56C23F12-F366-48EC-B3DB-005A711DF561}" type="datetimeFigureOut">
               <a:rPr lang="en-US" smtClean="0"/>
+              <a:pPr/>
               <a:t>4/21/2020</a:t>
             </a:fld>
             <a:endParaRPr lang="en-US"/>
@@ -855,6 +863,7 @@
           <a:p>
             <a:fld id="{279AAC18-6548-4BE2-BABC-0A9FF83C6CC4}" type="slidenum">
               <a:rPr lang="en-US" smtClean="0"/>
+              <a:pPr/>
               <a:t>‹#›</a:t>
             </a:fld>
             <a:endParaRPr lang="en-US"/>
@@ -1054,6 +1063,7 @@
           <a:p>
             <a:fld id="{56C23F12-F366-48EC-B3DB-005A711DF561}" type="datetimeFigureOut">
               <a:rPr lang="en-US" smtClean="0"/>
+              <a:pPr/>
               <a:t>4/21/2020</a:t>
             </a:fld>
             <a:endParaRPr lang="en-US"/>
@@ -1096,6 +1106,7 @@
           <a:p>
             <a:fld id="{279AAC18-6548-4BE2-BABC-0A9FF83C6CC4}" type="slidenum">
               <a:rPr lang="en-US" smtClean="0"/>
+              <a:pPr/>
               <a:t>‹#›</a:t>
             </a:fld>
             <a:endParaRPr lang="en-US"/>
@@ -1337,6 +1348,7 @@
           <a:p>
             <a:fld id="{56C23F12-F366-48EC-B3DB-005A711DF561}" type="datetimeFigureOut">
               <a:rPr lang="en-US" smtClean="0"/>
+              <a:pPr/>
               <a:t>4/21/2020</a:t>
             </a:fld>
             <a:endParaRPr lang="en-US"/>
@@ -1379,6 +1391,7 @@
           <a:p>
             <a:fld id="{279AAC18-6548-4BE2-BABC-0A9FF83C6CC4}" type="slidenum">
               <a:rPr lang="en-US" smtClean="0"/>
+              <a:pPr/>
               <a:t>‹#›</a:t>
             </a:fld>
             <a:endParaRPr lang="en-US"/>
@@ -1754,6 +1767,7 @@
           <a:p>
             <a:fld id="{56C23F12-F366-48EC-B3DB-005A711DF561}" type="datetimeFigureOut">
               <a:rPr lang="en-US" smtClean="0"/>
+              <a:pPr/>
               <a:t>4/21/2020</a:t>
             </a:fld>
             <a:endParaRPr lang="en-US"/>
@@ -1796,6 +1810,7 @@
           <a:p>
             <a:fld id="{279AAC18-6548-4BE2-BABC-0A9FF83C6CC4}" type="slidenum">
               <a:rPr lang="en-US" smtClean="0"/>
+              <a:pPr/>
               <a:t>‹#›</a:t>
             </a:fld>
             <a:endParaRPr lang="en-US"/>
@@ -1867,6 +1882,7 @@
           <a:p>
             <a:fld id="{56C23F12-F366-48EC-B3DB-005A711DF561}" type="datetimeFigureOut">
               <a:rPr lang="en-US" smtClean="0"/>
+              <a:pPr/>
               <a:t>4/21/2020</a:t>
             </a:fld>
             <a:endParaRPr lang="en-US"/>
@@ -1909,6 +1925,7 @@
           <a:p>
             <a:fld id="{279AAC18-6548-4BE2-BABC-0A9FF83C6CC4}" type="slidenum">
               <a:rPr lang="en-US" smtClean="0"/>
+              <a:pPr/>
               <a:t>‹#›</a:t>
             </a:fld>
             <a:endParaRPr lang="en-US"/>
@@ -1957,6 +1974,7 @@
           <a:p>
             <a:fld id="{56C23F12-F366-48EC-B3DB-005A711DF561}" type="datetimeFigureOut">
               <a:rPr lang="en-US" smtClean="0"/>
+              <a:pPr/>
               <a:t>4/21/2020</a:t>
             </a:fld>
             <a:endParaRPr lang="en-US"/>
@@ -1999,6 +2017,7 @@
           <a:p>
             <a:fld id="{279AAC18-6548-4BE2-BABC-0A9FF83C6CC4}" type="slidenum">
               <a:rPr lang="en-US" smtClean="0"/>
+              <a:pPr/>
               <a:t>‹#›</a:t>
             </a:fld>
             <a:endParaRPr lang="en-US"/>
@@ -2229,6 +2248,7 @@
           <a:p>
             <a:fld id="{56C23F12-F366-48EC-B3DB-005A711DF561}" type="datetimeFigureOut">
               <a:rPr lang="en-US" smtClean="0"/>
+              <a:pPr/>
               <a:t>4/21/2020</a:t>
             </a:fld>
             <a:endParaRPr lang="en-US"/>
@@ -2271,6 +2291,7 @@
           <a:p>
             <a:fld id="{279AAC18-6548-4BE2-BABC-0A9FF83C6CC4}" type="slidenum">
               <a:rPr lang="en-US" smtClean="0"/>
+              <a:pPr/>
               <a:t>‹#›</a:t>
             </a:fld>
             <a:endParaRPr lang="en-US"/>
@@ -2477,6 +2498,7 @@
           <a:p>
             <a:fld id="{56C23F12-F366-48EC-B3DB-005A711DF561}" type="datetimeFigureOut">
               <a:rPr lang="en-US" smtClean="0"/>
+              <a:pPr/>
               <a:t>4/21/2020</a:t>
             </a:fld>
             <a:endParaRPr lang="en-US"/>
@@ -2519,6 +2541,7 @@
           <a:p>
             <a:fld id="{279AAC18-6548-4BE2-BABC-0A9FF83C6CC4}" type="slidenum">
               <a:rPr lang="en-US" smtClean="0"/>
+              <a:pPr/>
               <a:t>‹#›</a:t>
             </a:fld>
             <a:endParaRPr lang="en-US"/>
@@ -2685,6 +2708,7 @@
           <a:p>
             <a:fld id="{56C23F12-F366-48EC-B3DB-005A711DF561}" type="datetimeFigureOut">
               <a:rPr lang="en-US" smtClean="0"/>
+              <a:pPr/>
               <a:t>4/21/2020</a:t>
             </a:fld>
             <a:endParaRPr lang="en-US"/>
@@ -2763,6 +2787,7 @@
           <a:p>
             <a:fld id="{279AAC18-6548-4BE2-BABC-0A9FF83C6CC4}" type="slidenum">
               <a:rPr lang="en-US" smtClean="0"/>
+              <a:pPr/>
               <a:t>‹#›</a:t>
             </a:fld>
             <a:endParaRPr lang="en-US"/>
@@ -3138,7 +3163,7 @@
           <a:noFill/>
           <a:extLst>
             <a:ext uri="{909E8E84-426E-40DD-AFC4-6F175D3DCCD1}">
-              <a14:hiddenFill xmlns:a14="http://schemas.microsoft.com/office/drawing/2010/main">
+              <a14:hiddenFill xmlns="" xmlns:a14="http://schemas.microsoft.com/office/drawing/2010/main">
                 <a:solidFill>
                   <a:srgbClr val="FFFFFF"/>
                 </a:solidFill>
@@ -3256,7 +3281,7 @@
           <a:blip r:embed="rId3">
             <a:extLst>
               <a:ext uri="{28A0092B-C50C-407E-A947-70E740481C1C}">
-                <a14:useLocalDpi xmlns:a14="http://schemas.microsoft.com/office/drawing/2010/main" val="0"/>
+                <a14:useLocalDpi xmlns="" xmlns:a14="http://schemas.microsoft.com/office/drawing/2010/main" val="0"/>
               </a:ext>
             </a:extLst>
           </a:blip>
@@ -3293,7 +3318,7 @@
           <a:noFill/>
           <a:extLst>
             <a:ext uri="{909E8E84-426E-40DD-AFC4-6F175D3DCCD1}">
-              <a14:hiddenFill xmlns:a14="http://schemas.microsoft.com/office/drawing/2010/main">
+              <a14:hiddenFill xmlns="" xmlns:a14="http://schemas.microsoft.com/office/drawing/2010/main">
                 <a:solidFill>
                   <a:srgbClr val="FFFFFF"/>
                 </a:solidFill>
@@ -3719,7 +3744,7 @@
     </p:spTree>
     <p:extLst>
       <p:ext uri="{BB962C8B-B14F-4D97-AF65-F5344CB8AC3E}">
-        <p14:creationId xmlns:p14="http://schemas.microsoft.com/office/powerpoint/2010/main" val="2708713413"/>
+        <p14:creationId xmlns="" xmlns:p14="http://schemas.microsoft.com/office/powerpoint/2010/main" val="2708713413"/>
       </p:ext>
     </p:extLst>
   </p:cSld>
@@ -3878,7 +3903,7 @@
     </p:spTree>
     <p:extLst>
       <p:ext uri="{BB962C8B-B14F-4D97-AF65-F5344CB8AC3E}">
-        <p14:creationId xmlns:p14="http://schemas.microsoft.com/office/powerpoint/2010/main" val="3178362736"/>
+        <p14:creationId xmlns="" xmlns:p14="http://schemas.microsoft.com/office/powerpoint/2010/main" val="3178362736"/>
       </p:ext>
     </p:extLst>
   </p:cSld>
@@ -3966,7 +3991,7 @@
     </p:spTree>
     <p:extLst>
       <p:ext uri="{BB962C8B-B14F-4D97-AF65-F5344CB8AC3E}">
-        <p14:creationId xmlns:p14="http://schemas.microsoft.com/office/powerpoint/2010/main" val="908783137"/>
+        <p14:creationId xmlns="" xmlns:p14="http://schemas.microsoft.com/office/powerpoint/2010/main" val="908783137"/>
       </p:ext>
     </p:extLst>
   </p:cSld>
@@ -4056,7 +4081,11 @@
             </a:pPr>
             <a:r>
               <a:rPr lang="en-US" sz="2800" dirty="0" smtClean="0"/>
-              <a:t>To capture image from Raspberry Pi camera using python package </a:t>
+              <a:t>To capture image from Raspberry Pi camera using python </a:t>
+            </a:r>
+            <a:r>
+              <a:rPr lang="en-US" sz="2800" dirty="0" smtClean="0"/>
+              <a:t>package </a:t>
             </a:r>
             <a:endParaRPr lang="en-US" sz="2800" dirty="0"/>
           </a:p>
@@ -4065,9 +4094,90 @@
     </p:spTree>
     <p:extLst>
       <p:ext uri="{BB962C8B-B14F-4D97-AF65-F5344CB8AC3E}">
-        <p14:creationId xmlns:p14="http://schemas.microsoft.com/office/powerpoint/2010/main" val="2368321580"/>
+        <p14:creationId xmlns="" xmlns:p14="http://schemas.microsoft.com/office/powerpoint/2010/main" val="2368321580"/>
       </p:ext>
     </p:extLst>
+  </p:cSld>
+  <p:clrMapOvr>
+    <a:masterClrMapping/>
+  </p:clrMapOvr>
+</p:sld>
+</file>
+
+<file path=ppt/slides/slide6.xml><?xml version="1.0" encoding="utf-8"?>
+<p:sld xmlns:a="http://schemas.openxmlformats.org/drawingml/2006/main" xmlns:r="http://schemas.openxmlformats.org/officeDocument/2006/relationships" xmlns:p="http://schemas.openxmlformats.org/presentationml/2006/main">
+  <p:cSld>
+    <p:spTree>
+      <p:nvGrpSpPr>
+        <p:cNvPr id="1" name=""/>
+        <p:cNvGrpSpPr/>
+        <p:nvPr/>
+      </p:nvGrpSpPr>
+      <p:grpSpPr>
+        <a:xfrm>
+          <a:off x="0" y="0"/>
+          <a:ext cx="0" cy="0"/>
+          <a:chOff x="0" y="0"/>
+          <a:chExt cx="0" cy="0"/>
+        </a:xfrm>
+      </p:grpSpPr>
+      <p:sp>
+        <p:nvSpPr>
+          <p:cNvPr id="2" name="Title 1"/>
+          <p:cNvSpPr>
+            <a:spLocks noGrp="1"/>
+          </p:cNvSpPr>
+          <p:nvPr>
+            <p:ph type="title"/>
+          </p:nvPr>
+        </p:nvSpPr>
+        <p:spPr/>
+        <p:txBody>
+          <a:bodyPr>
+            <a:normAutofit/>
+          </a:bodyPr>
+          <a:lstStyle/>
+          <a:p>
+            <a:r>
+              <a:rPr lang="en-US" sz="3600" dirty="0" smtClean="0">
+                <a:solidFill>
+                  <a:schemeClr val="accent4"/>
+                </a:solidFill>
+              </a:rPr>
+              <a:t>Application </a:t>
+            </a:r>
+            <a:r>
+              <a:rPr lang="en-US" sz="3600" smtClean="0">
+                <a:solidFill>
+                  <a:schemeClr val="accent4"/>
+                </a:solidFill>
+              </a:rPr>
+              <a:t>of project</a:t>
+            </a:r>
+            <a:endParaRPr lang="en-US" sz="3600" dirty="0"/>
+          </a:p>
+        </p:txBody>
+      </p:sp>
+      <p:sp>
+        <p:nvSpPr>
+          <p:cNvPr id="3" name="Content Placeholder 2"/>
+          <p:cNvSpPr>
+            <a:spLocks noGrp="1"/>
+          </p:cNvSpPr>
+          <p:nvPr>
+            <p:ph idx="1"/>
+          </p:nvPr>
+        </p:nvSpPr>
+        <p:spPr/>
+        <p:txBody>
+          <a:bodyPr/>
+          <a:lstStyle/>
+          <a:p>
+            <a:endParaRPr lang="en-US" dirty="0"/>
+          </a:p>
+        </p:txBody>
+      </p:sp>
+    </p:spTree>
   </p:cSld>
   <p:clrMapOvr>
     <a:masterClrMapping/>

--- a/PPT_Raspberry_Pi_Based_Image_Acquisition_System.pptx
+++ b/PPT_Raspberry_Pi_Based_Image_Acquisition_System.pptx
@@ -11,6 +11,10 @@
     <p:sldId id="260" r:id="rId5"/>
     <p:sldId id="261" r:id="rId6"/>
     <p:sldId id="262" r:id="rId7"/>
+    <p:sldId id="263" r:id="rId8"/>
+    <p:sldId id="264" r:id="rId9"/>
+    <p:sldId id="265" r:id="rId10"/>
+    <p:sldId id="267" r:id="rId11"/>
   </p:sldIdLst>
   <p:sldSz cx="9144000" cy="6858000" type="screen4x3"/>
   <p:notesSz cx="6858000" cy="9144000"/>
@@ -3592,6 +3596,77 @@
 </p:sld>
 </file>
 
+<file path=ppt/slides/slide10.xml><?xml version="1.0" encoding="utf-8"?>
+<p:sld xmlns:a="http://schemas.openxmlformats.org/drawingml/2006/main" xmlns:r="http://schemas.openxmlformats.org/officeDocument/2006/relationships" xmlns:p="http://schemas.openxmlformats.org/presentationml/2006/main">
+  <p:cSld>
+    <p:spTree>
+      <p:nvGrpSpPr>
+        <p:cNvPr id="1" name=""/>
+        <p:cNvGrpSpPr/>
+        <p:nvPr/>
+      </p:nvGrpSpPr>
+      <p:grpSpPr>
+        <a:xfrm>
+          <a:off x="0" y="0"/>
+          <a:ext cx="0" cy="0"/>
+          <a:chOff x="0" y="0"/>
+          <a:chExt cx="0" cy="0"/>
+        </a:xfrm>
+      </p:grpSpPr>
+      <p:sp>
+        <p:nvSpPr>
+          <p:cNvPr id="2" name="Title 1"/>
+          <p:cNvSpPr>
+            <a:spLocks noGrp="1"/>
+          </p:cNvSpPr>
+          <p:nvPr>
+            <p:ph type="title"/>
+          </p:nvPr>
+        </p:nvSpPr>
+        <p:spPr/>
+        <p:txBody>
+          <a:bodyPr/>
+          <a:lstStyle/>
+          <a:p>
+            <a:r>
+              <a:rPr lang="en-US" sz="3200" dirty="0" smtClean="0">
+                <a:solidFill>
+                  <a:schemeClr val="accent4"/>
+                </a:solidFill>
+              </a:rPr>
+              <a:t>Design</a:t>
+            </a:r>
+            <a:endParaRPr lang="en-US" sz="3200" dirty="0"/>
+          </a:p>
+        </p:txBody>
+      </p:sp>
+      <p:sp>
+        <p:nvSpPr>
+          <p:cNvPr id="3" name="Content Placeholder 2"/>
+          <p:cNvSpPr>
+            <a:spLocks noGrp="1"/>
+          </p:cNvSpPr>
+          <p:nvPr>
+            <p:ph idx="1"/>
+          </p:nvPr>
+        </p:nvSpPr>
+        <p:spPr/>
+        <p:txBody>
+          <a:bodyPr/>
+          <a:lstStyle/>
+          <a:p>
+            <a:endParaRPr lang="en-US" dirty="0"/>
+          </a:p>
+        </p:txBody>
+      </p:sp>
+    </p:spTree>
+  </p:cSld>
+  <p:clrMapOvr>
+    <a:masterClrMapping/>
+  </p:clrMapOvr>
+</p:sld>
+</file>
+
 <file path=ppt/slides/slide2.xml><?xml version="1.0" encoding="utf-8"?>
 <p:sld xmlns:a="http://schemas.openxmlformats.org/drawingml/2006/main" xmlns:r="http://schemas.openxmlformats.org/officeDocument/2006/relationships" xmlns:p="http://schemas.openxmlformats.org/presentationml/2006/main">
   <p:cSld>
@@ -4144,17 +4219,107 @@
                   <a:schemeClr val="accent4"/>
                 </a:solidFill>
               </a:rPr>
-              <a:t>Application </a:t>
-            </a:r>
-            <a:r>
-              <a:rPr lang="en-US" sz="3600" smtClean="0">
+              <a:t>Application of project</a:t>
+            </a:r>
+            <a:endParaRPr lang="en-US" sz="3600" dirty="0"/>
+          </a:p>
+        </p:txBody>
+      </p:sp>
+      <p:sp>
+        <p:nvSpPr>
+          <p:cNvPr id="3" name="Content Placeholder 2"/>
+          <p:cNvSpPr>
+            <a:spLocks noGrp="1"/>
+          </p:cNvSpPr>
+          <p:nvPr>
+            <p:ph idx="1"/>
+          </p:nvPr>
+        </p:nvSpPr>
+        <p:spPr/>
+        <p:txBody>
+          <a:bodyPr/>
+          <a:lstStyle/>
+          <a:p>
+            <a:r>
+              <a:rPr lang="en-IN" sz="2600" dirty="0" smtClean="0"/>
+              <a:t>To do live streaming of particular area where human can not go due to high radiation.</a:t>
+            </a:r>
+          </a:p>
+          <a:p>
+            <a:r>
+              <a:rPr lang="en-IN" sz="2600" dirty="0" smtClean="0"/>
+              <a:t>This system is used to get various diagnostics by monitoring and analysing images acquired through Raspberry Pi Camera. </a:t>
+            </a:r>
+          </a:p>
+          <a:p>
+            <a:r>
+              <a:rPr lang="en-IN" sz="2600" dirty="0" smtClean="0"/>
+              <a:t>Another application of this system is to provide simulation of machine like cryogenic plant used at Institute for plasma research.</a:t>
+            </a:r>
+          </a:p>
+          <a:p>
+            <a:pPr>
+              <a:buNone/>
+            </a:pPr>
+            <a:endParaRPr lang="en-IN" sz="2600" dirty="0" smtClean="0"/>
+          </a:p>
+          <a:p>
+            <a:endParaRPr lang="en-IN" dirty="0" smtClean="0"/>
+          </a:p>
+          <a:p>
+            <a:endParaRPr lang="en-US" dirty="0"/>
+          </a:p>
+        </p:txBody>
+      </p:sp>
+    </p:spTree>
+  </p:cSld>
+  <p:clrMapOvr>
+    <a:masterClrMapping/>
+  </p:clrMapOvr>
+</p:sld>
+</file>
+
+<file path=ppt/slides/slide7.xml><?xml version="1.0" encoding="utf-8"?>
+<p:sld xmlns:a="http://schemas.openxmlformats.org/drawingml/2006/main" xmlns:r="http://schemas.openxmlformats.org/officeDocument/2006/relationships" xmlns:p="http://schemas.openxmlformats.org/presentationml/2006/main">
+  <p:cSld>
+    <p:spTree>
+      <p:nvGrpSpPr>
+        <p:cNvPr id="1" name=""/>
+        <p:cNvGrpSpPr/>
+        <p:nvPr/>
+      </p:nvGrpSpPr>
+      <p:grpSpPr>
+        <a:xfrm>
+          <a:off x="0" y="0"/>
+          <a:ext cx="0" cy="0"/>
+          <a:chOff x="0" y="0"/>
+          <a:chExt cx="0" cy="0"/>
+        </a:xfrm>
+      </p:grpSpPr>
+      <p:sp>
+        <p:nvSpPr>
+          <p:cNvPr id="2" name="Title 1"/>
+          <p:cNvSpPr>
+            <a:spLocks noGrp="1"/>
+          </p:cNvSpPr>
+          <p:nvPr>
+            <p:ph type="title"/>
+          </p:nvPr>
+        </p:nvSpPr>
+        <p:spPr/>
+        <p:txBody>
+          <a:bodyPr/>
+          <a:lstStyle/>
+          <a:p>
+            <a:r>
+              <a:rPr lang="en-US" sz="3200" dirty="0" smtClean="0">
                 <a:solidFill>
                   <a:schemeClr val="accent4"/>
                 </a:solidFill>
               </a:rPr>
-              <a:t>of project</a:t>
-            </a:r>
-            <a:endParaRPr lang="en-US" sz="3600" dirty="0"/>
+              <a:t>Important Definitions and Acronyms  </a:t>
+            </a:r>
+            <a:endParaRPr lang="en-US" sz="3200" dirty="0"/>
           </a:p>
         </p:txBody>
       </p:sp>
@@ -4170,13 +4335,363 @@
         </p:nvSpPr>
         <p:spPr/>
         <p:txBody>
-          <a:bodyPr/>
-          <a:lstStyle/>
-          <a:p>
-            <a:endParaRPr lang="en-US" dirty="0"/>
-          </a:p>
-        </p:txBody>
-      </p:sp>
+          <a:bodyPr>
+            <a:normAutofit fontScale="92500" lnSpcReduction="20000"/>
+          </a:bodyPr>
+          <a:lstStyle/>
+          <a:p>
+            <a:pPr algn="just"/>
+            <a:r>
+              <a:rPr lang="en-IN" sz="2600" dirty="0" smtClean="0"/>
+              <a:t>EPICS – EPICS(</a:t>
+            </a:r>
+            <a:r>
+              <a:rPr lang="en-US" sz="2600" dirty="0" smtClean="0"/>
+              <a:t>Experimental Physics and Industrial Control </a:t>
+            </a:r>
+            <a:r>
+              <a:rPr lang="en-US" sz="2600" dirty="0" smtClean="0"/>
+              <a:t>Systems) is an extensible </a:t>
+            </a:r>
+            <a:r>
+              <a:rPr lang="en-US" sz="2600" dirty="0" smtClean="0"/>
+              <a:t>set of software components and tools with which </a:t>
+            </a:r>
+            <a:r>
+              <a:rPr lang="en-US" sz="2600" dirty="0" smtClean="0"/>
+              <a:t>application developers </a:t>
+            </a:r>
+            <a:r>
+              <a:rPr lang="en-US" sz="2600" dirty="0" smtClean="0"/>
+              <a:t>can create a control </a:t>
+            </a:r>
+            <a:r>
+              <a:rPr lang="en-US" sz="2600" dirty="0" smtClean="0"/>
+              <a:t>system.</a:t>
+            </a:r>
+          </a:p>
+          <a:p>
+            <a:pPr algn="just"/>
+            <a:r>
+              <a:rPr lang="en-IN" sz="2600" dirty="0" smtClean="0"/>
+              <a:t>IOC – It hold and run database of records which represent either device or aspects of the device to be controlled. It is EPICS shell used to perform input/output operations to attached hardware device.</a:t>
+            </a:r>
+          </a:p>
+          <a:p>
+            <a:pPr algn="just"/>
+            <a:r>
+              <a:rPr lang="en-IN" sz="2600" dirty="0" smtClean="0"/>
+              <a:t>OPI – OPI(Operator Interface) is workstation which can run various EPICS tools.</a:t>
+            </a:r>
+          </a:p>
+          <a:p>
+            <a:pPr algn="just"/>
+            <a:r>
+              <a:rPr lang="en-IN" sz="2600" dirty="0" smtClean="0"/>
+              <a:t>Process Variable(PV) – Data held in the database of records are represented by unique identifiers known as Process Variable.</a:t>
+            </a:r>
+            <a:endParaRPr lang="en-US" sz="2600" dirty="0"/>
+          </a:p>
+        </p:txBody>
+      </p:sp>
+    </p:spTree>
+  </p:cSld>
+  <p:clrMapOvr>
+    <a:masterClrMapping/>
+  </p:clrMapOvr>
+</p:sld>
+</file>
+
+<file path=ppt/slides/slide8.xml><?xml version="1.0" encoding="utf-8"?>
+<p:sld xmlns:a="http://schemas.openxmlformats.org/drawingml/2006/main" xmlns:r="http://schemas.openxmlformats.org/officeDocument/2006/relationships" xmlns:p="http://schemas.openxmlformats.org/presentationml/2006/main">
+  <p:cSld>
+    <p:spTree>
+      <p:nvGrpSpPr>
+        <p:cNvPr id="1" name=""/>
+        <p:cNvGrpSpPr/>
+        <p:nvPr/>
+      </p:nvGrpSpPr>
+      <p:grpSpPr>
+        <a:xfrm>
+          <a:off x="0" y="0"/>
+          <a:ext cx="0" cy="0"/>
+          <a:chOff x="0" y="0"/>
+          <a:chExt cx="0" cy="0"/>
+        </a:xfrm>
+      </p:grpSpPr>
+      <p:sp>
+        <p:nvSpPr>
+          <p:cNvPr id="2" name="Title 1"/>
+          <p:cNvSpPr>
+            <a:spLocks noGrp="1"/>
+          </p:cNvSpPr>
+          <p:nvPr>
+            <p:ph type="title"/>
+          </p:nvPr>
+        </p:nvSpPr>
+        <p:spPr/>
+        <p:txBody>
+          <a:bodyPr>
+            <a:normAutofit/>
+          </a:bodyPr>
+          <a:lstStyle/>
+          <a:p>
+            <a:r>
+              <a:rPr lang="en-US" sz="3200" dirty="0" smtClean="0">
+                <a:solidFill>
+                  <a:schemeClr val="accent4"/>
+                </a:solidFill>
+              </a:rPr>
+              <a:t>Important Definitions and Acronyms </a:t>
+            </a:r>
+            <a:r>
+              <a:rPr lang="en-US" sz="3200" dirty="0" smtClean="0">
+                <a:solidFill>
+                  <a:schemeClr val="accent4"/>
+                </a:solidFill>
+              </a:rPr>
+              <a:t>(Cont’d)</a:t>
+            </a:r>
+            <a:endParaRPr lang="en-US" sz="3200" dirty="0"/>
+          </a:p>
+        </p:txBody>
+      </p:sp>
+      <p:sp>
+        <p:nvSpPr>
+          <p:cNvPr id="3" name="Content Placeholder 2"/>
+          <p:cNvSpPr>
+            <a:spLocks noGrp="1"/>
+          </p:cNvSpPr>
+          <p:nvPr>
+            <p:ph idx="1"/>
+          </p:nvPr>
+        </p:nvSpPr>
+        <p:spPr/>
+        <p:txBody>
+          <a:bodyPr>
+            <a:normAutofit/>
+          </a:bodyPr>
+          <a:lstStyle/>
+          <a:p>
+            <a:pPr algn="just"/>
+            <a:r>
+              <a:rPr lang="en-IN" sz="2600" dirty="0" smtClean="0"/>
+              <a:t>Channel Access(CA) – Channel Access provides </a:t>
+            </a:r>
+            <a:r>
+              <a:rPr lang="en-US" sz="2600" dirty="0" smtClean="0"/>
+              <a:t>network transparent access to IOC databases</a:t>
+            </a:r>
+            <a:r>
+              <a:rPr lang="en-US" sz="2600" dirty="0" smtClean="0"/>
+              <a:t>. </a:t>
+            </a:r>
+            <a:r>
+              <a:rPr lang="en-US" sz="2600" dirty="0" smtClean="0"/>
+              <a:t>Each </a:t>
+            </a:r>
+            <a:r>
+              <a:rPr lang="en-US" sz="2600" dirty="0" smtClean="0"/>
+              <a:t>IOC provides </a:t>
+            </a:r>
+            <a:r>
+              <a:rPr lang="en-US" sz="2600" dirty="0" smtClean="0"/>
+              <a:t>a Channel Access server which is willing to establish communication with an arbitrary number of clients.</a:t>
+            </a:r>
+            <a:r>
+              <a:rPr lang="en-IN" sz="2600" dirty="0" smtClean="0"/>
+              <a:t>  </a:t>
+            </a:r>
+            <a:endParaRPr lang="en-US" sz="2600" dirty="0"/>
+          </a:p>
+        </p:txBody>
+      </p:sp>
+    </p:spTree>
+  </p:cSld>
+  <p:clrMapOvr>
+    <a:masterClrMapping/>
+  </p:clrMapOvr>
+</p:sld>
+</file>
+
+<file path=ppt/slides/slide9.xml><?xml version="1.0" encoding="utf-8"?>
+<p:sld xmlns:a="http://schemas.openxmlformats.org/drawingml/2006/main" xmlns:r="http://schemas.openxmlformats.org/officeDocument/2006/relationships" xmlns:p="http://schemas.openxmlformats.org/presentationml/2006/main">
+  <p:cSld>
+    <p:spTree>
+      <p:nvGrpSpPr>
+        <p:cNvPr id="1" name=""/>
+        <p:cNvGrpSpPr/>
+        <p:nvPr/>
+      </p:nvGrpSpPr>
+      <p:grpSpPr>
+        <a:xfrm>
+          <a:off x="0" y="0"/>
+          <a:ext cx="0" cy="0"/>
+          <a:chOff x="0" y="0"/>
+          <a:chExt cx="0" cy="0"/>
+        </a:xfrm>
+      </p:grpSpPr>
+      <p:sp>
+        <p:nvSpPr>
+          <p:cNvPr id="2" name="Title 1"/>
+          <p:cNvSpPr>
+            <a:spLocks noGrp="1"/>
+          </p:cNvSpPr>
+          <p:nvPr>
+            <p:ph type="title"/>
+          </p:nvPr>
+        </p:nvSpPr>
+        <p:spPr/>
+        <p:txBody>
+          <a:bodyPr/>
+          <a:lstStyle/>
+          <a:p>
+            <a:r>
+              <a:rPr lang="en-US" sz="3200" dirty="0" smtClean="0">
+                <a:solidFill>
+                  <a:schemeClr val="accent4"/>
+                </a:solidFill>
+              </a:rPr>
+              <a:t>S</a:t>
+            </a:r>
+            <a:r>
+              <a:rPr lang="en-US" sz="3200" dirty="0" smtClean="0">
+                <a:solidFill>
+                  <a:schemeClr val="accent4"/>
+                </a:solidFill>
+              </a:rPr>
+              <a:t>ystem Overview</a:t>
+            </a:r>
+            <a:endParaRPr lang="en-US" sz="3200" dirty="0"/>
+          </a:p>
+        </p:txBody>
+      </p:sp>
+      <p:sp>
+        <p:nvSpPr>
+          <p:cNvPr id="3" name="Content Placeholder 2"/>
+          <p:cNvSpPr>
+            <a:spLocks noGrp="1"/>
+          </p:cNvSpPr>
+          <p:nvPr>
+            <p:ph idx="1"/>
+          </p:nvPr>
+        </p:nvSpPr>
+        <p:spPr/>
+        <p:txBody>
+          <a:bodyPr>
+            <a:normAutofit fontScale="92500" lnSpcReduction="20000"/>
+          </a:bodyPr>
+          <a:lstStyle/>
+          <a:p>
+            <a:r>
+              <a:rPr lang="en-IN" sz="2600" dirty="0" smtClean="0"/>
+              <a:t>Technology/Platform – Python language, Raspbian, EPICS</a:t>
+            </a:r>
+          </a:p>
+          <a:p>
+            <a:r>
+              <a:rPr lang="en-IN" sz="2600" dirty="0" smtClean="0"/>
+              <a:t>Hardware – Raspberry Pi</a:t>
+            </a:r>
+          </a:p>
+          <a:p>
+            <a:pPr>
+              <a:buNone/>
+            </a:pPr>
+            <a:r>
+              <a:rPr lang="en-IN" sz="2600" dirty="0" smtClean="0"/>
+              <a:t> </a:t>
+            </a:r>
+          </a:p>
+          <a:p>
+            <a:pPr>
+              <a:buNone/>
+            </a:pPr>
+            <a:endParaRPr lang="en-IN" sz="2600" dirty="0" smtClean="0"/>
+          </a:p>
+          <a:p>
+            <a:pPr>
+              <a:buNone/>
+            </a:pPr>
+            <a:endParaRPr lang="en-IN" sz="2600" dirty="0" smtClean="0"/>
+          </a:p>
+          <a:p>
+            <a:pPr>
+              <a:buNone/>
+            </a:pPr>
+            <a:endParaRPr lang="en-IN" sz="2600" dirty="0" smtClean="0"/>
+          </a:p>
+          <a:p>
+            <a:pPr>
+              <a:buNone/>
+            </a:pPr>
+            <a:endParaRPr lang="en-IN" sz="2600" dirty="0" smtClean="0"/>
+          </a:p>
+          <a:p>
+            <a:pPr>
+              <a:buNone/>
+            </a:pPr>
+            <a:endParaRPr lang="en-IN" sz="2600" dirty="0" smtClean="0"/>
+          </a:p>
+          <a:p>
+            <a:pPr algn="ctr">
+              <a:buNone/>
+            </a:pPr>
+            <a:endParaRPr lang="en-IN" sz="2600" dirty="0" smtClean="0"/>
+          </a:p>
+          <a:p>
+            <a:pPr algn="ctr">
+              <a:buNone/>
+            </a:pPr>
+            <a:endParaRPr lang="en-IN" sz="2600" dirty="0" smtClean="0"/>
+          </a:p>
+          <a:p>
+            <a:pPr algn="ctr">
+              <a:buNone/>
+            </a:pPr>
+            <a:endParaRPr lang="en-IN" sz="2600" dirty="0" smtClean="0"/>
+          </a:p>
+          <a:p>
+            <a:pPr algn="ctr">
+              <a:buNone/>
+            </a:pPr>
+            <a:r>
+              <a:rPr lang="en-IN" sz="2200" dirty="0" smtClean="0"/>
+              <a:t>Raspberry Pi</a:t>
+            </a:r>
+          </a:p>
+          <a:p>
+            <a:pPr>
+              <a:buNone/>
+            </a:pPr>
+            <a:endParaRPr lang="en-US" sz="2600" dirty="0"/>
+          </a:p>
+        </p:txBody>
+      </p:sp>
+      <p:pic>
+        <p:nvPicPr>
+          <p:cNvPr id="4" name="Picture 3" descr="raspberryPi.jpg"/>
+          <p:cNvPicPr>
+            <a:picLocks noChangeAspect="1"/>
+          </p:cNvPicPr>
+          <p:nvPr/>
+        </p:nvPicPr>
+        <p:blipFill>
+          <a:blip r:embed="rId2"/>
+          <a:stretch>
+            <a:fillRect/>
+          </a:stretch>
+        </p:blipFill>
+        <p:spPr>
+          <a:xfrm>
+            <a:off x="2714612" y="2786058"/>
+            <a:ext cx="3887435" cy="2857519"/>
+          </a:xfrm>
+          <a:prstGeom prst="rect">
+            <a:avLst/>
+          </a:prstGeom>
+        </p:spPr>
+      </p:pic>
     </p:spTree>
   </p:cSld>
   <p:clrMapOvr>
